--- a/diagrams/uml/classDiagrams/dependencies/notation.pptx
+++ b/diagrams/uml/classDiagrams/dependencies/notation.pptx
@@ -104,6 +104,22 @@
       </a:defRPr>
     </a:lvl9pPr>
   </p:defaultTextStyle>
+  <p:extLst>
+    <p:ext uri="{EFAFB233-063F-42B5-8137-9DF3F51BA10A}">
+      <p15:sldGuideLst xmlns:p15="http://schemas.microsoft.com/office/powerpoint/2012/main">
+        <p15:guide id="1" orient="horz" pos="2160">
+          <p15:clr>
+            <a:srgbClr val="A4A3A4"/>
+          </p15:clr>
+        </p15:guide>
+        <p15:guide id="2" pos="2880">
+          <p15:clr>
+            <a:srgbClr val="A4A3A4"/>
+          </p15:clr>
+        </p15:guide>
+      </p15:sldGuideLst>
+    </p:ext>
+  </p:extLst>
 </p:presentation>
 </file>
 
@@ -288,7 +304,7 @@
           <a:p>
             <a:fld id="{A0F86979-30DA-49EE-A740-32EBA6D2B7DE}" type="datetimeFigureOut">
               <a:rPr lang="en-SG" smtClean="0"/>
-              <a:t>2/6/2017</a:t>
+              <a:t>6/9/2017</a:t>
             </a:fld>
             <a:endParaRPr lang="en-SG"/>
           </a:p>
@@ -458,7 +474,7 @@
           <a:p>
             <a:fld id="{A0F86979-30DA-49EE-A740-32EBA6D2B7DE}" type="datetimeFigureOut">
               <a:rPr lang="en-SG" smtClean="0"/>
-              <a:t>2/6/2017</a:t>
+              <a:t>6/9/2017</a:t>
             </a:fld>
             <a:endParaRPr lang="en-SG"/>
           </a:p>
@@ -638,7 +654,7 @@
           <a:p>
             <a:fld id="{A0F86979-30DA-49EE-A740-32EBA6D2B7DE}" type="datetimeFigureOut">
               <a:rPr lang="en-SG" smtClean="0"/>
-              <a:t>2/6/2017</a:t>
+              <a:t>6/9/2017</a:t>
             </a:fld>
             <a:endParaRPr lang="en-SG"/>
           </a:p>
@@ -808,7 +824,7 @@
           <a:p>
             <a:fld id="{A0F86979-30DA-49EE-A740-32EBA6D2B7DE}" type="datetimeFigureOut">
               <a:rPr lang="en-SG" smtClean="0"/>
-              <a:t>2/6/2017</a:t>
+              <a:t>6/9/2017</a:t>
             </a:fld>
             <a:endParaRPr lang="en-SG"/>
           </a:p>
@@ -1054,7 +1070,7 @@
           <a:p>
             <a:fld id="{A0F86979-30DA-49EE-A740-32EBA6D2B7DE}" type="datetimeFigureOut">
               <a:rPr lang="en-SG" smtClean="0"/>
-              <a:t>2/6/2017</a:t>
+              <a:t>6/9/2017</a:t>
             </a:fld>
             <a:endParaRPr lang="en-SG"/>
           </a:p>
@@ -1342,7 +1358,7 @@
           <a:p>
             <a:fld id="{A0F86979-30DA-49EE-A740-32EBA6D2B7DE}" type="datetimeFigureOut">
               <a:rPr lang="en-SG" smtClean="0"/>
-              <a:t>2/6/2017</a:t>
+              <a:t>6/9/2017</a:t>
             </a:fld>
             <a:endParaRPr lang="en-SG"/>
           </a:p>
@@ -1764,7 +1780,7 @@
           <a:p>
             <a:fld id="{A0F86979-30DA-49EE-A740-32EBA6D2B7DE}" type="datetimeFigureOut">
               <a:rPr lang="en-SG" smtClean="0"/>
-              <a:t>2/6/2017</a:t>
+              <a:t>6/9/2017</a:t>
             </a:fld>
             <a:endParaRPr lang="en-SG"/>
           </a:p>
@@ -1882,7 +1898,7 @@
           <a:p>
             <a:fld id="{A0F86979-30DA-49EE-A740-32EBA6D2B7DE}" type="datetimeFigureOut">
               <a:rPr lang="en-SG" smtClean="0"/>
-              <a:t>2/6/2017</a:t>
+              <a:t>6/9/2017</a:t>
             </a:fld>
             <a:endParaRPr lang="en-SG"/>
           </a:p>
@@ -1977,7 +1993,7 @@
           <a:p>
             <a:fld id="{A0F86979-30DA-49EE-A740-32EBA6D2B7DE}" type="datetimeFigureOut">
               <a:rPr lang="en-SG" smtClean="0"/>
-              <a:t>2/6/2017</a:t>
+              <a:t>6/9/2017</a:t>
             </a:fld>
             <a:endParaRPr lang="en-SG"/>
           </a:p>
@@ -2254,7 +2270,7 @@
           <a:p>
             <a:fld id="{A0F86979-30DA-49EE-A740-32EBA6D2B7DE}" type="datetimeFigureOut">
               <a:rPr lang="en-SG" smtClean="0"/>
-              <a:t>2/6/2017</a:t>
+              <a:t>6/9/2017</a:t>
             </a:fld>
             <a:endParaRPr lang="en-SG"/>
           </a:p>
@@ -2507,7 +2523,7 @@
           <a:p>
             <a:fld id="{A0F86979-30DA-49EE-A740-32EBA6D2B7DE}" type="datetimeFigureOut">
               <a:rPr lang="en-SG" smtClean="0"/>
-              <a:t>2/6/2017</a:t>
+              <a:t>6/9/2017</a:t>
             </a:fld>
             <a:endParaRPr lang="en-SG"/>
           </a:p>
@@ -2720,7 +2736,7 @@
           <a:p>
             <a:fld id="{A0F86979-30DA-49EE-A740-32EBA6D2B7DE}" type="datetimeFigureOut">
               <a:rPr lang="en-SG" smtClean="0"/>
-              <a:t>2/6/2017</a:t>
+              <a:t>6/9/2017</a:t>
             </a:fld>
             <a:endParaRPr lang="en-SG"/>
           </a:p>
@@ -3149,140 +3165,6 @@
       </p:sp>
       <p:sp>
         <p:nvSpPr>
-          <p:cNvPr id="239" name="Rectangle 238"/>
-          <p:cNvSpPr/>
-          <p:nvPr/>
-        </p:nvSpPr>
-        <p:spPr>
-          <a:xfrm>
-            <a:off x="1828800" y="3356580"/>
-            <a:ext cx="1371600" cy="369332"/>
-          </a:xfrm>
-          <a:prstGeom prst="rect">
-            <a:avLst/>
-          </a:prstGeom>
-          <a:solidFill>
-            <a:schemeClr val="bg1"/>
-          </a:solidFill>
-          <a:ln>
-            <a:solidFill>
-              <a:schemeClr val="tx1"/>
-            </a:solidFill>
-          </a:ln>
-        </p:spPr>
-        <p:style>
-          <a:lnRef idx="1">
-            <a:schemeClr val="accent4"/>
-          </a:lnRef>
-          <a:fillRef idx="2">
-            <a:schemeClr val="accent4"/>
-          </a:fillRef>
-          <a:effectRef idx="1">
-            <a:schemeClr val="accent4"/>
-          </a:effectRef>
-          <a:fontRef idx="minor">
-            <a:schemeClr val="dk1"/>
-          </a:fontRef>
-        </p:style>
-        <p:txBody>
-          <a:bodyPr wrap="square" rtlCol="0" anchor="ctr">
-            <a:spAutoFit/>
-          </a:bodyPr>
-          <a:lstStyle/>
-          <a:p>
-            <a:r>
-              <a:rPr lang="en-US" dirty="0" smtClean="0"/>
-              <a:t>Attributes</a:t>
-            </a:r>
-            <a:endParaRPr lang="en-US" dirty="0"/>
-          </a:p>
-        </p:txBody>
-      </p:sp>
-      <p:sp>
-        <p:nvSpPr>
-          <p:cNvPr id="240" name="Folded Corner 239"/>
-          <p:cNvSpPr/>
-          <p:nvPr/>
-        </p:nvSpPr>
-        <p:spPr>
-          <a:xfrm>
-            <a:off x="990600" y="2448014"/>
-            <a:ext cx="6629400" cy="2057400"/>
-          </a:xfrm>
-          <a:prstGeom prst="foldedCorner">
-            <a:avLst/>
-          </a:prstGeom>
-          <a:noFill/>
-          <a:ln w="9525">
-            <a:solidFill>
-              <a:schemeClr val="accent1"/>
-            </a:solidFill>
-            <a:prstDash val="sysDash"/>
-          </a:ln>
-        </p:spPr>
-        <p:style>
-          <a:lnRef idx="2">
-            <a:schemeClr val="accent1">
-              <a:shade val="50000"/>
-            </a:schemeClr>
-          </a:lnRef>
-          <a:fillRef idx="1">
-            <a:schemeClr val="accent1"/>
-          </a:fillRef>
-          <a:effectRef idx="0">
-            <a:schemeClr val="accent1"/>
-          </a:effectRef>
-          <a:fontRef idx="minor">
-            <a:schemeClr val="lt1"/>
-          </a:fontRef>
-        </p:style>
-        <p:txBody>
-          <a:bodyPr rtlCol="0" anchor="ctr"/>
-          <a:lstStyle/>
-          <a:p>
-            <a:pPr algn="ctr"/>
-            <a:endParaRPr lang="en-US" dirty="0"/>
-          </a:p>
-        </p:txBody>
-      </p:sp>
-      <p:sp>
-        <p:nvSpPr>
-          <p:cNvPr id="241" name="TextBox 240"/>
-          <p:cNvSpPr txBox="1"/>
-          <p:nvPr/>
-        </p:nvSpPr>
-        <p:spPr>
-          <a:xfrm>
-            <a:off x="990600" y="2448015"/>
-            <a:ext cx="3733800" cy="369332"/>
-          </a:xfrm>
-          <a:prstGeom prst="rect">
-            <a:avLst/>
-          </a:prstGeom>
-          <a:solidFill>
-            <a:schemeClr val="accent1">
-              <a:lumMod val="40000"/>
-              <a:lumOff val="60000"/>
-            </a:schemeClr>
-          </a:solidFill>
-        </p:spPr>
-        <p:txBody>
-          <a:bodyPr wrap="square" rtlCol="0">
-            <a:spAutoFit/>
-          </a:bodyPr>
-          <a:lstStyle/>
-          <a:p>
-            <a:pPr algn="ctr"/>
-            <a:r>
-              <a:rPr lang="en-US" dirty="0" smtClean="0"/>
-              <a:t>UML Notation : Dependency</a:t>
-            </a:r>
-            <a:endParaRPr lang="en-US" dirty="0"/>
-          </a:p>
-        </p:txBody>
-      </p:sp>
-      <p:sp>
-        <p:nvSpPr>
           <p:cNvPr id="242" name="Rectangle 241"/>
           <p:cNvSpPr/>
           <p:nvPr/>
@@ -3333,69 +3215,15 @@
           </a:p>
         </p:txBody>
       </p:sp>
-      <p:sp>
-        <p:nvSpPr>
-          <p:cNvPr id="243" name="Rectangle 242"/>
-          <p:cNvSpPr/>
-          <p:nvPr/>
-        </p:nvSpPr>
-        <p:spPr>
-          <a:xfrm>
-            <a:off x="6019800" y="3356580"/>
-            <a:ext cx="1371600" cy="369332"/>
-          </a:xfrm>
-          <a:prstGeom prst="rect">
-            <a:avLst/>
-          </a:prstGeom>
-          <a:solidFill>
-            <a:schemeClr val="bg1"/>
-          </a:solidFill>
-          <a:ln>
-            <a:solidFill>
-              <a:schemeClr val="tx1"/>
-            </a:solidFill>
-          </a:ln>
-        </p:spPr>
-        <p:style>
-          <a:lnRef idx="1">
-            <a:schemeClr val="accent4"/>
-          </a:lnRef>
-          <a:fillRef idx="2">
-            <a:schemeClr val="accent4"/>
-          </a:fillRef>
-          <a:effectRef idx="1">
-            <a:schemeClr val="accent4"/>
-          </a:effectRef>
-          <a:fontRef idx="minor">
-            <a:schemeClr val="dk1"/>
-          </a:fontRef>
-        </p:style>
-        <p:txBody>
-          <a:bodyPr wrap="square" rtlCol="0" anchor="ctr">
-            <a:spAutoFit/>
-          </a:bodyPr>
-          <a:lstStyle/>
-          <a:p>
-            <a:r>
-              <a:rPr lang="en-US" dirty="0" smtClean="0"/>
-              <a:t>Attributes</a:t>
-            </a:r>
-            <a:endParaRPr lang="en-US" dirty="0"/>
-          </a:p>
-        </p:txBody>
-      </p:sp>
       <p:cxnSp>
         <p:nvCxnSpPr>
           <p:cNvPr id="244" name="Elbow Connector 243"/>
-          <p:cNvCxnSpPr>
-            <a:stCxn id="239" idx="3"/>
-            <a:endCxn id="243" idx="1"/>
-          </p:cNvCxnSpPr>
+          <p:cNvCxnSpPr/>
           <p:nvPr/>
         </p:nvCxnSpPr>
         <p:spPr>
           <a:xfrm>
-            <a:off x="3200400" y="3541246"/>
+            <a:off x="3200400" y="3176954"/>
             <a:ext cx="2819400" cy="1588"/>
           </a:xfrm>
           <a:prstGeom prst="bentConnector3">
@@ -3427,108 +3255,6 @@
           </a:fontRef>
         </p:style>
       </p:cxnSp>
-      <p:sp>
-        <p:nvSpPr>
-          <p:cNvPr id="245" name="Rectangle 244"/>
-          <p:cNvSpPr/>
-          <p:nvPr/>
-        </p:nvSpPr>
-        <p:spPr>
-          <a:xfrm>
-            <a:off x="1828800" y="3667214"/>
-            <a:ext cx="1371600" cy="369332"/>
-          </a:xfrm>
-          <a:prstGeom prst="rect">
-            <a:avLst/>
-          </a:prstGeom>
-          <a:solidFill>
-            <a:schemeClr val="bg1"/>
-          </a:solidFill>
-          <a:ln>
-            <a:solidFill>
-              <a:schemeClr val="tx1"/>
-            </a:solidFill>
-          </a:ln>
-        </p:spPr>
-        <p:style>
-          <a:lnRef idx="1">
-            <a:schemeClr val="accent4"/>
-          </a:lnRef>
-          <a:fillRef idx="2">
-            <a:schemeClr val="accent4"/>
-          </a:fillRef>
-          <a:effectRef idx="1">
-            <a:schemeClr val="accent4"/>
-          </a:effectRef>
-          <a:fontRef idx="minor">
-            <a:schemeClr val="dk1"/>
-          </a:fontRef>
-        </p:style>
-        <p:txBody>
-          <a:bodyPr wrap="square" rtlCol="0" anchor="ctr">
-            <a:spAutoFit/>
-          </a:bodyPr>
-          <a:lstStyle/>
-          <a:p>
-            <a:r>
-              <a:rPr lang="en-US" dirty="0" smtClean="0"/>
-              <a:t>Operations</a:t>
-            </a:r>
-            <a:endParaRPr lang="en-US" dirty="0"/>
-          </a:p>
-        </p:txBody>
-      </p:sp>
-      <p:sp>
-        <p:nvSpPr>
-          <p:cNvPr id="246" name="Rectangle 245"/>
-          <p:cNvSpPr/>
-          <p:nvPr/>
-        </p:nvSpPr>
-        <p:spPr>
-          <a:xfrm>
-            <a:off x="6019800" y="3667214"/>
-            <a:ext cx="1371600" cy="369332"/>
-          </a:xfrm>
-          <a:prstGeom prst="rect">
-            <a:avLst/>
-          </a:prstGeom>
-          <a:solidFill>
-            <a:schemeClr val="bg1"/>
-          </a:solidFill>
-          <a:ln>
-            <a:solidFill>
-              <a:schemeClr val="tx1"/>
-            </a:solidFill>
-          </a:ln>
-        </p:spPr>
-        <p:style>
-          <a:lnRef idx="1">
-            <a:schemeClr val="accent4"/>
-          </a:lnRef>
-          <a:fillRef idx="2">
-            <a:schemeClr val="accent4"/>
-          </a:fillRef>
-          <a:effectRef idx="1">
-            <a:schemeClr val="accent4"/>
-          </a:effectRef>
-          <a:fontRef idx="minor">
-            <a:schemeClr val="dk1"/>
-          </a:fontRef>
-        </p:style>
-        <p:txBody>
-          <a:bodyPr wrap="square" rtlCol="0" anchor="ctr">
-            <a:spAutoFit/>
-          </a:bodyPr>
-          <a:lstStyle/>
-          <a:p>
-            <a:r>
-              <a:rPr lang="en-US" dirty="0" smtClean="0"/>
-              <a:t>Operations</a:t>
-            </a:r>
-            <a:endParaRPr lang="en-US" dirty="0"/>
-          </a:p>
-        </p:txBody>
-      </p:sp>
     </p:spTree>
     <p:extLst>
       <p:ext uri="{BB962C8B-B14F-4D97-AF65-F5344CB8AC3E}">
@@ -3600,87 +3326,6 @@
                                           </p:stCondLst>
                                         </p:cTn>
                                         <p:tgtEl>
-                                          <p:spTgt spid="239"/>
-                                        </p:tgtEl>
-                                        <p:attrNameLst>
-                                          <p:attrName>style.visibility</p:attrName>
-                                        </p:attrNameLst>
-                                      </p:cBhvr>
-                                      <p:to>
-                                        <p:strVal val="visible"/>
-                                      </p:to>
-                                    </p:set>
-                                  </p:childTnLst>
-                                </p:cTn>
-                              </p:par>
-                              <p:par>
-                                <p:cTn id="9" presetID="1" presetClass="entr" presetSubtype="0" fill="hold" grpId="0" nodeType="withEffect">
-                                  <p:stCondLst>
-                                    <p:cond delay="0"/>
-                                  </p:stCondLst>
-                                  <p:childTnLst>
-                                    <p:set>
-                                      <p:cBhvr>
-                                        <p:cTn id="10" dur="1" fill="hold">
-                                          <p:stCondLst>
-                                            <p:cond delay="0"/>
-                                          </p:stCondLst>
-                                        </p:cTn>
-                                        <p:tgtEl>
-                                          <p:spTgt spid="240"/>
-                                        </p:tgtEl>
-                                        <p:attrNameLst>
-                                          <p:attrName>style.visibility</p:attrName>
-                                        </p:attrNameLst>
-                                      </p:cBhvr>
-                                      <p:to>
-                                        <p:strVal val="visible"/>
-                                      </p:to>
-                                    </p:set>
-                                  </p:childTnLst>
-                                </p:cTn>
-                              </p:par>
-                              <p:par>
-                                <p:cTn id="11" presetID="1" presetClass="entr" presetSubtype="0" fill="hold" grpId="0" nodeType="withEffect">
-                                  <p:stCondLst>
-                                    <p:cond delay="0"/>
-                                  </p:stCondLst>
-                                  <p:childTnLst>
-                                    <p:set>
-                                      <p:cBhvr>
-                                        <p:cTn id="12" dur="1" fill="hold">
-                                          <p:stCondLst>
-                                            <p:cond delay="0"/>
-                                          </p:stCondLst>
-                                        </p:cTn>
-                                        <p:tgtEl>
-                                          <p:spTgt spid="241"/>
-                                        </p:tgtEl>
-                                        <p:attrNameLst>
-                                          <p:attrName>style.visibility</p:attrName>
-                                        </p:attrNameLst>
-                                      </p:cBhvr>
-                                      <p:to>
-                                        <p:strVal val="visible"/>
-                                      </p:to>
-                                    </p:set>
-                                  </p:childTnLst>
-                                </p:cTn>
-                              </p:par>
-                              <p:par>
-                                <p:cTn id="13" presetID="1" presetClass="entr" presetSubtype="0" fill="hold" grpId="0" nodeType="withEffect">
-                                  <p:stCondLst>
-                                    <p:cond delay="0"/>
-                                  </p:stCondLst>
-                                  <p:childTnLst>
-                                    <p:set>
-                                      <p:cBhvr>
-                                        <p:cTn id="14" dur="1" fill="hold">
-                                          <p:stCondLst>
-                                            <p:cond delay="0"/>
-                                          </p:stCondLst>
-                                        </p:cTn>
-                                        <p:tgtEl>
                                           <p:spTgt spid="242"/>
                                         </p:tgtEl>
                                         <p:attrNameLst>
@@ -3695,101 +3340,20 @@
                                 </p:cTn>
                               </p:par>
                               <p:par>
-                                <p:cTn id="15" presetID="1" presetClass="entr" presetSubtype="0" fill="hold" grpId="0" nodeType="withEffect">
+                                <p:cTn id="9" presetID="1" presetClass="entr" presetSubtype="0" fill="hold" nodeType="withEffect">
                                   <p:stCondLst>
                                     <p:cond delay="0"/>
                                   </p:stCondLst>
                                   <p:childTnLst>
                                     <p:set>
                                       <p:cBhvr>
-                                        <p:cTn id="16" dur="1" fill="hold">
-                                          <p:stCondLst>
-                                            <p:cond delay="0"/>
-                                          </p:stCondLst>
-                                        </p:cTn>
-                                        <p:tgtEl>
-                                          <p:spTgt spid="243"/>
-                                        </p:tgtEl>
-                                        <p:attrNameLst>
-                                          <p:attrName>style.visibility</p:attrName>
-                                        </p:attrNameLst>
-                                      </p:cBhvr>
-                                      <p:to>
-                                        <p:strVal val="visible"/>
-                                      </p:to>
-                                    </p:set>
-                                  </p:childTnLst>
-                                </p:cTn>
-                              </p:par>
-                              <p:par>
-                                <p:cTn id="17" presetID="1" presetClass="entr" presetSubtype="0" fill="hold" nodeType="withEffect">
-                                  <p:stCondLst>
-                                    <p:cond delay="0"/>
-                                  </p:stCondLst>
-                                  <p:childTnLst>
-                                    <p:set>
-                                      <p:cBhvr>
-                                        <p:cTn id="18" dur="1" fill="hold">
+                                        <p:cTn id="10" dur="1" fill="hold">
                                           <p:stCondLst>
                                             <p:cond delay="0"/>
                                           </p:stCondLst>
                                         </p:cTn>
                                         <p:tgtEl>
                                           <p:spTgt spid="244"/>
-                                        </p:tgtEl>
-                                        <p:attrNameLst>
-                                          <p:attrName>style.visibility</p:attrName>
-                                        </p:attrNameLst>
-                                      </p:cBhvr>
-                                      <p:to>
-                                        <p:strVal val="visible"/>
-                                      </p:to>
-                                    </p:set>
-                                  </p:childTnLst>
-                                </p:cTn>
-                              </p:par>
-                              <p:par>
-                                <p:cTn id="19" presetID="1" presetClass="entr" presetSubtype="0" fill="hold" grpId="0" nodeType="withEffect">
-                                  <p:stCondLst>
-                                    <p:cond delay="0"/>
-                                  </p:stCondLst>
-                                  <p:childTnLst>
-                                    <p:set>
-                                      <p:cBhvr>
-                                        <p:cTn id="20" dur="1" fill="hold">
-                                          <p:stCondLst>
-                                            <p:cond delay="0"/>
-                                          </p:stCondLst>
-                                        </p:cTn>
-                                        <p:tgtEl>
-                                          <p:spTgt spid="245"/>
-                                        </p:tgtEl>
-                                        <p:attrNameLst>
-                                          <p:attrName>style.visibility</p:attrName>
-                                        </p:attrNameLst>
-                                      </p:cBhvr>
-                                      <p:to>
-                                        <p:strVal val="visible"/>
-                                      </p:to>
-                                    </p:set>
-                                  </p:childTnLst>
-                                </p:cTn>
-                              </p:par>
-                              <p:par>
-                                <p:cTn id="21" presetID="1" presetClass="entr" presetSubtype="0" fill="hold" grpId="0" nodeType="withEffect">
-                                  <p:stCondLst>
-                                    <p:cond delay="0"/>
-                                  </p:stCondLst>
-                                  <p:childTnLst>
-                                    <p:set>
-                                      <p:cBhvr>
-                                        <p:cTn id="22" dur="1" fill="hold">
-                                          <p:stCondLst>
-                                            <p:cond delay="0"/>
-                                          </p:stCondLst>
-                                        </p:cTn>
-                                        <p:tgtEl>
-                                          <p:spTgt spid="246"/>
                                         </p:tgtEl>
                                         <p:attrNameLst>
                                           <p:attrName>style.visibility</p:attrName>
@@ -3831,13 +3395,7 @@
     </p:tnLst>
     <p:bldLst>
       <p:bldP spid="238" grpId="0" animBg="1"/>
-      <p:bldP spid="239" grpId="0" animBg="1"/>
-      <p:bldP spid="240" grpId="0" animBg="1"/>
-      <p:bldP spid="241" grpId="0" animBg="1"/>
       <p:bldP spid="242" grpId="0" animBg="1"/>
-      <p:bldP spid="243" grpId="0" animBg="1"/>
-      <p:bldP spid="245" grpId="0" animBg="1"/>
-      <p:bldP spid="246" grpId="0" animBg="1"/>
     </p:bldLst>
   </p:timing>
 </p:sld>
